--- a/1 파이썬 기본기/01_작업 내용.pptx
+++ b/1 파이썬 기본기/01_작업 내용.pptx
@@ -7,8 +7,9 @@
   <p:sldIdLst>
     <p:sldId id="256" r:id="rId2"/>
     <p:sldId id="259" r:id="rId3"/>
-    <p:sldId id="258" r:id="rId4"/>
-    <p:sldId id="260" r:id="rId5"/>
+    <p:sldId id="261" r:id="rId4"/>
+    <p:sldId id="258" r:id="rId5"/>
+    <p:sldId id="260" r:id="rId6"/>
   </p:sldIdLst>
   <p:sldSz cx="12192000" cy="6858000"/>
   <p:notesSz cx="6858000" cy="9144000"/>
@@ -1357,6 +1358,236 @@
           <p:cNvPr id="2" name="제목 1">
             <a:extLst>
               <a:ext uri="{FF2B5EF4-FFF2-40B4-BE49-F238E27FC236}">
+                <a16:creationId xmlns:a16="http://schemas.microsoft.com/office/drawing/2014/main" id="{86EE3B8B-E64A-AE4E-803C-5BDFD7ED3560}"/>
+              </a:ext>
+            </a:extLst>
+          </p:cNvPr>
+          <p:cNvSpPr>
+            <a:spLocks noGrp="1"/>
+          </p:cNvSpPr>
+          <p:nvPr>
+            <p:ph type="title"/>
+          </p:nvPr>
+        </p:nvSpPr>
+        <p:spPr/>
+        <p:txBody>
+          <a:bodyPr/>
+          <a:lstStyle/>
+          <a:p>
+            <a:r>
+              <a:rPr kumimoji="1" lang="en-US" altLang="ko-KR" dirty="0"/>
+              <a:t>10</a:t>
+            </a:r>
+            <a:r>
+              <a:rPr kumimoji="1" lang="ko-KR" altLang="en-US" dirty="0"/>
+              <a:t>일차 구성</a:t>
+            </a:r>
+          </a:p>
+        </p:txBody>
+      </p:sp>
+      <p:sp>
+        <p:nvSpPr>
+          <p:cNvPr id="3" name="텍스트 개체 틀 2">
+            <a:extLst>
+              <a:ext uri="{FF2B5EF4-FFF2-40B4-BE49-F238E27FC236}">
+                <a16:creationId xmlns:a16="http://schemas.microsoft.com/office/drawing/2014/main" id="{ACB42A12-EDD5-184C-96CF-7BCD597695A3}"/>
+              </a:ext>
+            </a:extLst>
+          </p:cNvPr>
+          <p:cNvSpPr>
+            <a:spLocks noGrp="1"/>
+          </p:cNvSpPr>
+          <p:nvPr>
+            <p:ph type="body" sz="quarter" idx="10"/>
+          </p:nvPr>
+        </p:nvSpPr>
+        <p:spPr/>
+        <p:txBody>
+          <a:bodyPr>
+            <a:normAutofit fontScale="92500" lnSpcReduction="20000"/>
+          </a:bodyPr>
+          <a:lstStyle/>
+          <a:p>
+            <a:r>
+              <a:rPr lang="en-US" altLang="ko-KR" dirty="0"/>
+              <a:t>1</a:t>
+            </a:r>
+            <a:r>
+              <a:rPr lang="ko-KR" altLang="en-US" dirty="0"/>
+              <a:t>일차 도구 기본 세팅 </a:t>
+            </a:r>
+            <a:r>
+              <a:rPr lang="en-US" altLang="ko-KR" dirty="0"/>
+              <a:t>+ </a:t>
+            </a:r>
+            <a:r>
+              <a:rPr lang="ko-KR" altLang="en-US" dirty="0" err="1"/>
+              <a:t>파이썬</a:t>
+            </a:r>
+            <a:r>
+              <a:rPr lang="ko-KR" altLang="en-US" dirty="0"/>
+              <a:t> 기본기 따라잡기</a:t>
+            </a:r>
+          </a:p>
+          <a:p>
+            <a:r>
+              <a:rPr lang="en-US" altLang="ko-KR" dirty="0"/>
+              <a:t>2</a:t>
+            </a:r>
+            <a:r>
+              <a:rPr lang="ko-KR" altLang="en-US" dirty="0"/>
+              <a:t>일차 데이터처리 과정</a:t>
+            </a:r>
+          </a:p>
+          <a:p>
+            <a:r>
+              <a:rPr lang="en-US" altLang="ko-KR" dirty="0"/>
+              <a:t>3</a:t>
+            </a:r>
+            <a:r>
+              <a:rPr lang="ko-KR" altLang="en-US" dirty="0"/>
+              <a:t>일차 </a:t>
+            </a:r>
+            <a:r>
+              <a:rPr lang="en" altLang="ko-KR" dirty="0"/>
+              <a:t>linear regression</a:t>
+            </a:r>
+          </a:p>
+          <a:p>
+            <a:r>
+              <a:rPr lang="en" altLang="ko-KR" dirty="0"/>
+              <a:t>4</a:t>
+            </a:r>
+            <a:r>
+              <a:rPr lang="ko-KR" altLang="en-US" dirty="0"/>
+              <a:t>일차 </a:t>
+            </a:r>
+            <a:r>
+              <a:rPr lang="en" altLang="ko-KR" dirty="0"/>
+              <a:t>Ridge and lasso</a:t>
+            </a:r>
+          </a:p>
+          <a:p>
+            <a:r>
+              <a:rPr lang="en" altLang="ko-KR" dirty="0"/>
+              <a:t>5</a:t>
+            </a:r>
+            <a:r>
+              <a:rPr lang="ko-KR" altLang="en-US" dirty="0"/>
+              <a:t>일차 </a:t>
+            </a:r>
+            <a:r>
+              <a:rPr lang="en" altLang="ko-KR" dirty="0"/>
+              <a:t>logistic regression</a:t>
+            </a:r>
+          </a:p>
+          <a:p>
+            <a:r>
+              <a:rPr lang="en" altLang="ko-KR" dirty="0"/>
+              <a:t>6</a:t>
+            </a:r>
+            <a:r>
+              <a:rPr lang="ko-KR" altLang="en-US" dirty="0"/>
+              <a:t>일차 </a:t>
+            </a:r>
+            <a:r>
+              <a:rPr lang="en" altLang="ko-KR" dirty="0"/>
+              <a:t>logistic regression-exercise</a:t>
+            </a:r>
+          </a:p>
+          <a:p>
+            <a:r>
+              <a:rPr lang="en" altLang="ko-KR" dirty="0"/>
+              <a:t>7</a:t>
+            </a:r>
+            <a:r>
+              <a:rPr lang="ko-KR" altLang="en-US" dirty="0"/>
+              <a:t>일차 </a:t>
+            </a:r>
+            <a:r>
+              <a:rPr lang="en" altLang="ko-KR" dirty="0"/>
+              <a:t>KNN and NB</a:t>
+            </a:r>
+          </a:p>
+          <a:p>
+            <a:r>
+              <a:rPr lang="en" altLang="ko-KR" dirty="0"/>
+              <a:t>8</a:t>
+            </a:r>
+            <a:r>
+              <a:rPr lang="ko-KR" altLang="en-US" dirty="0"/>
+              <a:t>일차 </a:t>
+            </a:r>
+            <a:r>
+              <a:rPr lang="en" altLang="ko-KR" dirty="0"/>
+              <a:t>classification project</a:t>
+            </a:r>
+          </a:p>
+          <a:p>
+            <a:r>
+              <a:rPr lang="en" altLang="ko-KR" dirty="0"/>
+              <a:t>9</a:t>
+            </a:r>
+            <a:r>
+              <a:rPr lang="ko-KR" altLang="en-US" dirty="0"/>
+              <a:t>일차 </a:t>
+            </a:r>
+            <a:r>
+              <a:rPr lang="en" altLang="ko-KR" dirty="0"/>
+              <a:t>clustering</a:t>
+            </a:r>
+          </a:p>
+          <a:p>
+            <a:r>
+              <a:rPr lang="en" altLang="ko-KR" dirty="0"/>
+              <a:t>10</a:t>
+            </a:r>
+            <a:r>
+              <a:rPr lang="ko-KR" altLang="en-US" dirty="0"/>
+              <a:t>일차 </a:t>
+            </a:r>
+            <a:r>
+              <a:rPr lang="en" altLang="ko-KR" dirty="0"/>
+              <a:t>regression project</a:t>
+            </a:r>
+          </a:p>
+        </p:txBody>
+      </p:sp>
+    </p:spTree>
+    <p:extLst>
+      <p:ext uri="{BB962C8B-B14F-4D97-AF65-F5344CB8AC3E}">
+        <p14:creationId xmlns:p14="http://schemas.microsoft.com/office/powerpoint/2010/main" val="3316636322"/>
+      </p:ext>
+    </p:extLst>
+  </p:cSld>
+  <p:clrMapOvr>
+    <a:masterClrMapping/>
+  </p:clrMapOvr>
+</p:sld>
+</file>
+
+<file path=ppt/slides/slide4.xml><?xml version="1.0" encoding="utf-8"?>
+<p:sld xmlns:a="http://schemas.openxmlformats.org/drawingml/2006/main" xmlns:r="http://schemas.openxmlformats.org/officeDocument/2006/relationships" xmlns:p="http://schemas.openxmlformats.org/presentationml/2006/main">
+  <p:cSld>
+    <p:spTree>
+      <p:nvGrpSpPr>
+        <p:cNvPr id="1" name=""/>
+        <p:cNvGrpSpPr/>
+        <p:nvPr/>
+      </p:nvGrpSpPr>
+      <p:grpSpPr>
+        <a:xfrm>
+          <a:off x="0" y="0"/>
+          <a:ext cx="0" cy="0"/>
+          <a:chOff x="0" y="0"/>
+          <a:chExt cx="0" cy="0"/>
+        </a:xfrm>
+      </p:grpSpPr>
+      <p:sp>
+        <p:nvSpPr>
+          <p:cNvPr id="2" name="제목 1">
+            <a:extLst>
+              <a:ext uri="{FF2B5EF4-FFF2-40B4-BE49-F238E27FC236}">
                 <a16:creationId xmlns:a16="http://schemas.microsoft.com/office/drawing/2014/main" id="{1D6C2E54-1222-9B4A-A2B1-BC1F870D9317}"/>
               </a:ext>
             </a:extLst>
@@ -1464,7 +1695,7 @@
 </p:sld>
 </file>
 
-<file path=ppt/slides/slide4.xml><?xml version="1.0" encoding="utf-8"?>
+<file path=ppt/slides/slide5.xml><?xml version="1.0" encoding="utf-8"?>
 <p:sld xmlns:a="http://schemas.openxmlformats.org/drawingml/2006/main" xmlns:r="http://schemas.openxmlformats.org/officeDocument/2006/relationships" xmlns:p="http://schemas.openxmlformats.org/presentationml/2006/main">
   <p:cSld>
     <p:spTree>
